--- a/static/aulas/vida_e_energia.pptx
+++ b/static/aulas/vida_e_energia.pptx
@@ -12994,7 +12994,7 @@
                 </a:solidFill>
                 <a:latin typeface="Eras Bold ITC" panose="020B0907030504020204" pitchFamily="34" charset="0"/>
               </a:rPr>
-              <a:t>Dica </a:t>
+              <a:t>Dica de trabalho</a:t>
             </a:r>
           </a:p>
         </p:txBody>
@@ -21434,13 +21434,7 @@
           <p:cNvGraphicFramePr>
             <a:graphicFrameLocks noGrp="1"/>
           </p:cNvGraphicFramePr>
-          <p:nvPr>
-            <p:extLst>
-              <p:ext uri="{D42A27DB-BD31-4B8C-83A1-F6EECF244321}">
-                <p14:modId xmlns:p14="http://schemas.microsoft.com/office/powerpoint/2010/main" val="1877350602"/>
-              </p:ext>
-            </p:extLst>
-          </p:nvPr>
+          <p:nvPr/>
         </p:nvGraphicFramePr>
         <p:xfrm>
           <a:off x="607964" y="1975754"/>
@@ -21822,20 +21816,7 @@
                           <a:latin typeface="Times New Roman" panose="02020603050405020304" pitchFamily="18" charset="0"/>
                           <a:cs typeface="Times New Roman" panose="02020603050405020304" pitchFamily="18" charset="0"/>
                         </a:rPr>
-                        <a:t>   3-fosfoglicerato) </a:t>
-                      </a:r>
-                      <a:r>
-                        <a:rPr lang="pt-BR" sz="2400" dirty="0">
-                          <a:solidFill>
-                            <a:schemeClr val="accent4">
-                              <a:lumMod val="40000"/>
-                              <a:lumOff val="60000"/>
-                            </a:schemeClr>
-                          </a:solidFill>
-                          <a:latin typeface="Times New Roman" panose="02020603050405020304" pitchFamily="18" charset="0"/>
-                          <a:cs typeface="Times New Roman" panose="02020603050405020304" pitchFamily="18" charset="0"/>
-                        </a:rPr>
-                        <a:t>x 2</a:t>
+                        <a:t>   3-fosfoglicerato) x 2</a:t>
                       </a:r>
                     </a:p>
                   </a:txBody>
@@ -22009,20 +21990,7 @@
                           <a:latin typeface="Times New Roman" panose="02020603050405020304" pitchFamily="18" charset="0"/>
                           <a:cs typeface="Times New Roman" panose="02020603050405020304" pitchFamily="18" charset="0"/>
                         </a:rPr>
-                        <a:t>  piruvato) </a:t>
-                      </a:r>
-                      <a:r>
-                        <a:rPr lang="pt-BR" sz="2400" dirty="0">
-                          <a:solidFill>
-                            <a:schemeClr val="accent4">
-                              <a:lumMod val="40000"/>
-                              <a:lumOff val="60000"/>
-                            </a:schemeClr>
-                          </a:solidFill>
-                          <a:latin typeface="Times New Roman" panose="02020603050405020304" pitchFamily="18" charset="0"/>
-                          <a:cs typeface="Times New Roman" panose="02020603050405020304" pitchFamily="18" charset="0"/>
-                        </a:rPr>
-                        <a:t>x 2</a:t>
+                        <a:t>  piruvato) x 2</a:t>
                       </a:r>
                     </a:p>
                   </a:txBody>

--- a/static/aulas/vida_e_energia.pptx
+++ b/static/aulas/vida_e_energia.pptx
@@ -121,6 +121,11 @@
       </a:defRPr>
     </a:lvl9pPr>
   </p:defaultTextStyle>
+  <p:extLst>
+    <p:ext uri="{EFAFB233-063F-42B5-8137-9DF3F51BA10A}">
+      <p15:sldGuideLst xmlns:p15="http://schemas.microsoft.com/office/powerpoint/2012/main"/>
+    </p:ext>
+  </p:extLst>
 </p:presentation>
 </file>
 
@@ -206,7 +211,7 @@
           <a:p>
             <a:fld id="{79D68B80-4B83-4BA5-8E70-AD11F9733070}" type="datetimeFigureOut">
               <a:rPr lang="pt-BR" smtClean="0"/>
-              <a:t>03/10/2022</a:t>
+              <a:t>05/10/2022</a:t>
             </a:fld>
             <a:endParaRPr lang="pt-BR"/>
           </a:p>
@@ -1130,7 +1135,7 @@
           <a:p>
             <a:fld id="{E3BCEED8-149E-406E-B91A-7F4F3B181D0A}" type="datetimeFigureOut">
               <a:rPr lang="pt-BR" smtClean="0"/>
-              <a:t>03/10/2022</a:t>
+              <a:t>05/10/2022</a:t>
             </a:fld>
             <a:endParaRPr lang="pt-BR"/>
           </a:p>
@@ -1328,7 +1333,7 @@
           <a:p>
             <a:fld id="{E3BCEED8-149E-406E-B91A-7F4F3B181D0A}" type="datetimeFigureOut">
               <a:rPr lang="pt-BR" smtClean="0"/>
-              <a:t>03/10/2022</a:t>
+              <a:t>05/10/2022</a:t>
             </a:fld>
             <a:endParaRPr lang="pt-BR"/>
           </a:p>
@@ -1536,7 +1541,7 @@
           <a:p>
             <a:fld id="{E3BCEED8-149E-406E-B91A-7F4F3B181D0A}" type="datetimeFigureOut">
               <a:rPr lang="pt-BR" smtClean="0"/>
-              <a:t>03/10/2022</a:t>
+              <a:t>05/10/2022</a:t>
             </a:fld>
             <a:endParaRPr lang="pt-BR"/>
           </a:p>
@@ -1734,7 +1739,7 @@
           <a:p>
             <a:fld id="{E3BCEED8-149E-406E-B91A-7F4F3B181D0A}" type="datetimeFigureOut">
               <a:rPr lang="pt-BR" smtClean="0"/>
-              <a:t>03/10/2022</a:t>
+              <a:t>05/10/2022</a:t>
             </a:fld>
             <a:endParaRPr lang="pt-BR"/>
           </a:p>
@@ -2009,7 +2014,7 @@
           <a:p>
             <a:fld id="{E3BCEED8-149E-406E-B91A-7F4F3B181D0A}" type="datetimeFigureOut">
               <a:rPr lang="pt-BR" smtClean="0"/>
-              <a:t>03/10/2022</a:t>
+              <a:t>05/10/2022</a:t>
             </a:fld>
             <a:endParaRPr lang="pt-BR"/>
           </a:p>
@@ -2274,7 +2279,7 @@
           <a:p>
             <a:fld id="{E3BCEED8-149E-406E-B91A-7F4F3B181D0A}" type="datetimeFigureOut">
               <a:rPr lang="pt-BR" smtClean="0"/>
-              <a:t>03/10/2022</a:t>
+              <a:t>05/10/2022</a:t>
             </a:fld>
             <a:endParaRPr lang="pt-BR"/>
           </a:p>
@@ -2686,7 +2691,7 @@
           <a:p>
             <a:fld id="{E3BCEED8-149E-406E-B91A-7F4F3B181D0A}" type="datetimeFigureOut">
               <a:rPr lang="pt-BR" smtClean="0"/>
-              <a:t>03/10/2022</a:t>
+              <a:t>05/10/2022</a:t>
             </a:fld>
             <a:endParaRPr lang="pt-BR"/>
           </a:p>
@@ -2827,7 +2832,7 @@
           <a:p>
             <a:fld id="{E3BCEED8-149E-406E-B91A-7F4F3B181D0A}" type="datetimeFigureOut">
               <a:rPr lang="pt-BR" smtClean="0"/>
-              <a:t>03/10/2022</a:t>
+              <a:t>05/10/2022</a:t>
             </a:fld>
             <a:endParaRPr lang="pt-BR"/>
           </a:p>
@@ -2940,7 +2945,7 @@
           <a:p>
             <a:fld id="{E3BCEED8-149E-406E-B91A-7F4F3B181D0A}" type="datetimeFigureOut">
               <a:rPr lang="pt-BR" smtClean="0"/>
-              <a:t>03/10/2022</a:t>
+              <a:t>05/10/2022</a:t>
             </a:fld>
             <a:endParaRPr lang="pt-BR"/>
           </a:p>
@@ -3251,7 +3256,7 @@
           <a:p>
             <a:fld id="{E3BCEED8-149E-406E-B91A-7F4F3B181D0A}" type="datetimeFigureOut">
               <a:rPr lang="pt-BR" smtClean="0"/>
-              <a:t>03/10/2022</a:t>
+              <a:t>05/10/2022</a:t>
             </a:fld>
             <a:endParaRPr lang="pt-BR"/>
           </a:p>
@@ -3539,7 +3544,7 @@
           <a:p>
             <a:fld id="{E3BCEED8-149E-406E-B91A-7F4F3B181D0A}" type="datetimeFigureOut">
               <a:rPr lang="pt-BR" smtClean="0"/>
-              <a:t>03/10/2022</a:t>
+              <a:t>05/10/2022</a:t>
             </a:fld>
             <a:endParaRPr lang="pt-BR"/>
           </a:p>
@@ -3786,7 +3791,7 @@
           <a:p>
             <a:fld id="{E3BCEED8-149E-406E-B91A-7F4F3B181D0A}" type="datetimeFigureOut">
               <a:rPr lang="pt-BR" smtClean="0"/>
-              <a:t>03/10/2022</a:t>
+              <a:t>05/10/2022</a:t>
             </a:fld>
             <a:endParaRPr lang="pt-BR"/>
           </a:p>
@@ -18762,8 +18767,8 @@
         </p:blipFill>
         <p:spPr>
           <a:xfrm>
-            <a:off x="1465870" y="2261503"/>
-            <a:ext cx="5630390" cy="2776706"/>
+            <a:off x="1006305" y="2034862"/>
+            <a:ext cx="6089955" cy="3003347"/>
           </a:xfrm>
           <a:prstGeom prst="rect">
             <a:avLst/>

--- a/static/aulas/vida_e_energia.pptx
+++ b/static/aulas/vida_e_energia.pptx
@@ -211,7 +211,7 @@
           <a:p>
             <a:fld id="{79D68B80-4B83-4BA5-8E70-AD11F9733070}" type="datetimeFigureOut">
               <a:rPr lang="pt-BR" smtClean="0"/>
-              <a:t>05/10/2022</a:t>
+              <a:t>07/10/2022</a:t>
             </a:fld>
             <a:endParaRPr lang="pt-BR"/>
           </a:p>
@@ -1135,7 +1135,7 @@
           <a:p>
             <a:fld id="{E3BCEED8-149E-406E-B91A-7F4F3B181D0A}" type="datetimeFigureOut">
               <a:rPr lang="pt-BR" smtClean="0"/>
-              <a:t>05/10/2022</a:t>
+              <a:t>07/10/2022</a:t>
             </a:fld>
             <a:endParaRPr lang="pt-BR"/>
           </a:p>
@@ -1333,7 +1333,7 @@
           <a:p>
             <a:fld id="{E3BCEED8-149E-406E-B91A-7F4F3B181D0A}" type="datetimeFigureOut">
               <a:rPr lang="pt-BR" smtClean="0"/>
-              <a:t>05/10/2022</a:t>
+              <a:t>07/10/2022</a:t>
             </a:fld>
             <a:endParaRPr lang="pt-BR"/>
           </a:p>
@@ -1541,7 +1541,7 @@
           <a:p>
             <a:fld id="{E3BCEED8-149E-406E-B91A-7F4F3B181D0A}" type="datetimeFigureOut">
               <a:rPr lang="pt-BR" smtClean="0"/>
-              <a:t>05/10/2022</a:t>
+              <a:t>07/10/2022</a:t>
             </a:fld>
             <a:endParaRPr lang="pt-BR"/>
           </a:p>
@@ -1739,7 +1739,7 @@
           <a:p>
             <a:fld id="{E3BCEED8-149E-406E-B91A-7F4F3B181D0A}" type="datetimeFigureOut">
               <a:rPr lang="pt-BR" smtClean="0"/>
-              <a:t>05/10/2022</a:t>
+              <a:t>07/10/2022</a:t>
             </a:fld>
             <a:endParaRPr lang="pt-BR"/>
           </a:p>
@@ -2014,7 +2014,7 @@
           <a:p>
             <a:fld id="{E3BCEED8-149E-406E-B91A-7F4F3B181D0A}" type="datetimeFigureOut">
               <a:rPr lang="pt-BR" smtClean="0"/>
-              <a:t>05/10/2022</a:t>
+              <a:t>07/10/2022</a:t>
             </a:fld>
             <a:endParaRPr lang="pt-BR"/>
           </a:p>
@@ -2279,7 +2279,7 @@
           <a:p>
             <a:fld id="{E3BCEED8-149E-406E-B91A-7F4F3B181D0A}" type="datetimeFigureOut">
               <a:rPr lang="pt-BR" smtClean="0"/>
-              <a:t>05/10/2022</a:t>
+              <a:t>07/10/2022</a:t>
             </a:fld>
             <a:endParaRPr lang="pt-BR"/>
           </a:p>
@@ -2691,7 +2691,7 @@
           <a:p>
             <a:fld id="{E3BCEED8-149E-406E-B91A-7F4F3B181D0A}" type="datetimeFigureOut">
               <a:rPr lang="pt-BR" smtClean="0"/>
-              <a:t>05/10/2022</a:t>
+              <a:t>07/10/2022</a:t>
             </a:fld>
             <a:endParaRPr lang="pt-BR"/>
           </a:p>
@@ -2832,7 +2832,7 @@
           <a:p>
             <a:fld id="{E3BCEED8-149E-406E-B91A-7F4F3B181D0A}" type="datetimeFigureOut">
               <a:rPr lang="pt-BR" smtClean="0"/>
-              <a:t>05/10/2022</a:t>
+              <a:t>07/10/2022</a:t>
             </a:fld>
             <a:endParaRPr lang="pt-BR"/>
           </a:p>
@@ -2945,7 +2945,7 @@
           <a:p>
             <a:fld id="{E3BCEED8-149E-406E-B91A-7F4F3B181D0A}" type="datetimeFigureOut">
               <a:rPr lang="pt-BR" smtClean="0"/>
-              <a:t>05/10/2022</a:t>
+              <a:t>07/10/2022</a:t>
             </a:fld>
             <a:endParaRPr lang="pt-BR"/>
           </a:p>
@@ -3256,7 +3256,7 @@
           <a:p>
             <a:fld id="{E3BCEED8-149E-406E-B91A-7F4F3B181D0A}" type="datetimeFigureOut">
               <a:rPr lang="pt-BR" smtClean="0"/>
-              <a:t>05/10/2022</a:t>
+              <a:t>07/10/2022</a:t>
             </a:fld>
             <a:endParaRPr lang="pt-BR"/>
           </a:p>
@@ -3544,7 +3544,7 @@
           <a:p>
             <a:fld id="{E3BCEED8-149E-406E-B91A-7F4F3B181D0A}" type="datetimeFigureOut">
               <a:rPr lang="pt-BR" smtClean="0"/>
-              <a:t>05/10/2022</a:t>
+              <a:t>07/10/2022</a:t>
             </a:fld>
             <a:endParaRPr lang="pt-BR"/>
           </a:p>
@@ -3791,7 +3791,7 @@
           <a:p>
             <a:fld id="{E3BCEED8-149E-406E-B91A-7F4F3B181D0A}" type="datetimeFigureOut">
               <a:rPr lang="pt-BR" smtClean="0"/>
-              <a:t>05/10/2022</a:t>
+              <a:t>07/10/2022</a:t>
             </a:fld>
             <a:endParaRPr lang="pt-BR"/>
           </a:p>
@@ -18767,8 +18767,8 @@
         </p:blipFill>
         <p:spPr>
           <a:xfrm>
-            <a:off x="1006305" y="2034862"/>
-            <a:ext cx="6089955" cy="3003347"/>
+            <a:off x="674836" y="589892"/>
+            <a:ext cx="5255588" cy="2591867"/>
           </a:xfrm>
           <a:prstGeom prst="rect">
             <a:avLst/>
@@ -18789,7 +18789,7 @@
         </p:nvGrpSpPr>
         <p:grpSpPr>
           <a:xfrm>
-            <a:off x="8208303" y="2811511"/>
+            <a:off x="8780395" y="445501"/>
             <a:ext cx="2736769" cy="1221784"/>
             <a:chOff x="8744501" y="2818108"/>
             <a:chExt cx="2736769" cy="1221784"/>

--- a/static/aulas/vida_e_energia.pptx
+++ b/static/aulas/vida_e_energia.pptx
@@ -211,7 +211,7 @@
           <a:p>
             <a:fld id="{79D68B80-4B83-4BA5-8E70-AD11F9733070}" type="datetimeFigureOut">
               <a:rPr lang="pt-BR" smtClean="0"/>
-              <a:t>07/10/2022</a:t>
+              <a:t>09/04/2023</a:t>
             </a:fld>
             <a:endParaRPr lang="pt-BR"/>
           </a:p>
@@ -1135,7 +1135,7 @@
           <a:p>
             <a:fld id="{E3BCEED8-149E-406E-B91A-7F4F3B181D0A}" type="datetimeFigureOut">
               <a:rPr lang="pt-BR" smtClean="0"/>
-              <a:t>07/10/2022</a:t>
+              <a:t>09/04/2023</a:t>
             </a:fld>
             <a:endParaRPr lang="pt-BR"/>
           </a:p>
@@ -1333,7 +1333,7 @@
           <a:p>
             <a:fld id="{E3BCEED8-149E-406E-B91A-7F4F3B181D0A}" type="datetimeFigureOut">
               <a:rPr lang="pt-BR" smtClean="0"/>
-              <a:t>07/10/2022</a:t>
+              <a:t>09/04/2023</a:t>
             </a:fld>
             <a:endParaRPr lang="pt-BR"/>
           </a:p>
@@ -1541,7 +1541,7 @@
           <a:p>
             <a:fld id="{E3BCEED8-149E-406E-B91A-7F4F3B181D0A}" type="datetimeFigureOut">
               <a:rPr lang="pt-BR" smtClean="0"/>
-              <a:t>07/10/2022</a:t>
+              <a:t>09/04/2023</a:t>
             </a:fld>
             <a:endParaRPr lang="pt-BR"/>
           </a:p>
@@ -1739,7 +1739,7 @@
           <a:p>
             <a:fld id="{E3BCEED8-149E-406E-B91A-7F4F3B181D0A}" type="datetimeFigureOut">
               <a:rPr lang="pt-BR" smtClean="0"/>
-              <a:t>07/10/2022</a:t>
+              <a:t>09/04/2023</a:t>
             </a:fld>
             <a:endParaRPr lang="pt-BR"/>
           </a:p>
@@ -2014,7 +2014,7 @@
           <a:p>
             <a:fld id="{E3BCEED8-149E-406E-B91A-7F4F3B181D0A}" type="datetimeFigureOut">
               <a:rPr lang="pt-BR" smtClean="0"/>
-              <a:t>07/10/2022</a:t>
+              <a:t>09/04/2023</a:t>
             </a:fld>
             <a:endParaRPr lang="pt-BR"/>
           </a:p>
@@ -2279,7 +2279,7 @@
           <a:p>
             <a:fld id="{E3BCEED8-149E-406E-B91A-7F4F3B181D0A}" type="datetimeFigureOut">
               <a:rPr lang="pt-BR" smtClean="0"/>
-              <a:t>07/10/2022</a:t>
+              <a:t>09/04/2023</a:t>
             </a:fld>
             <a:endParaRPr lang="pt-BR"/>
           </a:p>
@@ -2691,7 +2691,7 @@
           <a:p>
             <a:fld id="{E3BCEED8-149E-406E-B91A-7F4F3B181D0A}" type="datetimeFigureOut">
               <a:rPr lang="pt-BR" smtClean="0"/>
-              <a:t>07/10/2022</a:t>
+              <a:t>09/04/2023</a:t>
             </a:fld>
             <a:endParaRPr lang="pt-BR"/>
           </a:p>
@@ -2832,7 +2832,7 @@
           <a:p>
             <a:fld id="{E3BCEED8-149E-406E-B91A-7F4F3B181D0A}" type="datetimeFigureOut">
               <a:rPr lang="pt-BR" smtClean="0"/>
-              <a:t>07/10/2022</a:t>
+              <a:t>09/04/2023</a:t>
             </a:fld>
             <a:endParaRPr lang="pt-BR"/>
           </a:p>
@@ -2945,7 +2945,7 @@
           <a:p>
             <a:fld id="{E3BCEED8-149E-406E-B91A-7F4F3B181D0A}" type="datetimeFigureOut">
               <a:rPr lang="pt-BR" smtClean="0"/>
-              <a:t>07/10/2022</a:t>
+              <a:t>09/04/2023</a:t>
             </a:fld>
             <a:endParaRPr lang="pt-BR"/>
           </a:p>
@@ -3256,7 +3256,7 @@
           <a:p>
             <a:fld id="{E3BCEED8-149E-406E-B91A-7F4F3B181D0A}" type="datetimeFigureOut">
               <a:rPr lang="pt-BR" smtClean="0"/>
-              <a:t>07/10/2022</a:t>
+              <a:t>09/04/2023</a:t>
             </a:fld>
             <a:endParaRPr lang="pt-BR"/>
           </a:p>
@@ -3544,7 +3544,7 @@
           <a:p>
             <a:fld id="{E3BCEED8-149E-406E-B91A-7F4F3B181D0A}" type="datetimeFigureOut">
               <a:rPr lang="pt-BR" smtClean="0"/>
-              <a:t>07/10/2022</a:t>
+              <a:t>09/04/2023</a:t>
             </a:fld>
             <a:endParaRPr lang="pt-BR"/>
           </a:p>
@@ -3791,7 +3791,7 @@
           <a:p>
             <a:fld id="{E3BCEED8-149E-406E-B91A-7F4F3B181D0A}" type="datetimeFigureOut">
               <a:rPr lang="pt-BR" smtClean="0"/>
-              <a:t>07/10/2022</a:t>
+              <a:t>09/04/2023</a:t>
             </a:fld>
             <a:endParaRPr lang="pt-BR"/>
           </a:p>
@@ -10338,7 +10338,7 @@
         </p:nvSpPr>
         <p:spPr>
           <a:xfrm>
-            <a:off x="497423" y="791680"/>
+            <a:off x="497423" y="513558"/>
             <a:ext cx="11183715" cy="584775"/>
           </a:xfrm>
           <a:prstGeom prst="rect">
@@ -10398,7 +10398,10 @@
                   <a:noFill/>
                 </a:ln>
                 <a:solidFill>
-                  <a:prstClr val="white"/>
+                  <a:schemeClr val="accent4">
+                    <a:lumMod val="60000"/>
+                    <a:lumOff val="40000"/>
+                  </a:schemeClr>
                 </a:solidFill>
                 <a:effectLst/>
                 <a:uLnTx/>
@@ -10426,7 +10429,7 @@
         </p:nvGrpSpPr>
         <p:grpSpPr>
           <a:xfrm>
-            <a:off x="585608" y="2155626"/>
+            <a:off x="1611694" y="2155626"/>
             <a:ext cx="2387379" cy="687469"/>
             <a:chOff x="6374614" y="346104"/>
             <a:chExt cx="1737734" cy="540000"/>
@@ -10846,7 +10849,7 @@
         </p:nvSpPr>
         <p:spPr>
           <a:xfrm>
-            <a:off x="3369038" y="2258320"/>
+            <a:off x="497423" y="3410820"/>
             <a:ext cx="7364618" cy="584775"/>
           </a:xfrm>
           <a:prstGeom prst="rect">
@@ -10951,7 +10954,7 @@
         </p:nvGrpSpPr>
         <p:grpSpPr>
           <a:xfrm>
-            <a:off x="1405265" y="5103472"/>
+            <a:off x="1372090" y="5059508"/>
             <a:ext cx="2387379" cy="687469"/>
             <a:chOff x="6374614" y="346104"/>
             <a:chExt cx="1737734" cy="540000"/>
@@ -11371,7 +11374,7 @@
         </p:nvGrpSpPr>
         <p:grpSpPr>
           <a:xfrm>
-            <a:off x="4731171" y="5103471"/>
+            <a:off x="4697996" y="5059507"/>
             <a:ext cx="2387379" cy="687469"/>
             <a:chOff x="6374614" y="346104"/>
             <a:chExt cx="1737734" cy="540000"/>
@@ -11791,7 +11794,7 @@
         </p:nvGrpSpPr>
         <p:grpSpPr>
           <a:xfrm>
-            <a:off x="8091184" y="5086466"/>
+            <a:off x="8058009" y="5042502"/>
             <a:ext cx="2387379" cy="687469"/>
             <a:chOff x="6374614" y="346104"/>
             <a:chExt cx="1737734" cy="540000"/>
@@ -12211,7 +12214,7 @@
         </p:nvSpPr>
         <p:spPr>
           <a:xfrm>
-            <a:off x="962468" y="2949360"/>
+            <a:off x="1988554" y="2949360"/>
             <a:ext cx="1460202" cy="584775"/>
           </a:xfrm>
           <a:prstGeom prst="rect">
@@ -12299,7 +12302,7 @@
         </p:nvSpPr>
         <p:spPr>
           <a:xfrm>
-            <a:off x="1908836" y="6066322"/>
+            <a:off x="1863885" y="5772071"/>
             <a:ext cx="1460202" cy="584775"/>
           </a:xfrm>
           <a:prstGeom prst="rect">
@@ -12387,7 +12390,7 @@
         </p:nvSpPr>
         <p:spPr>
           <a:xfrm>
-            <a:off x="5250522" y="6066321"/>
+            <a:off x="5205571" y="5772070"/>
             <a:ext cx="1460202" cy="584775"/>
           </a:xfrm>
           <a:prstGeom prst="rect">
@@ -12475,7 +12478,7 @@
         </p:nvSpPr>
         <p:spPr>
           <a:xfrm>
-            <a:off x="8479820" y="6066320"/>
+            <a:off x="8434869" y="5772069"/>
             <a:ext cx="1460202" cy="584775"/>
           </a:xfrm>
           <a:prstGeom prst="rect">
@@ -12563,7 +12566,7 @@
         </p:nvSpPr>
         <p:spPr>
           <a:xfrm>
-            <a:off x="3270969" y="3534135"/>
+            <a:off x="4300151" y="2258320"/>
             <a:ext cx="1460202" cy="584775"/>
           </a:xfrm>
           <a:prstGeom prst="rect">
@@ -12651,7 +12654,7 @@
         </p:nvSpPr>
         <p:spPr>
           <a:xfrm>
-            <a:off x="6630981" y="3534135"/>
+            <a:off x="7660163" y="2258320"/>
             <a:ext cx="2202079" cy="584775"/>
           </a:xfrm>
           <a:prstGeom prst="rect">
@@ -12770,7 +12773,7 @@
         </p:nvCxnSpPr>
         <p:spPr>
           <a:xfrm>
-            <a:off x="4749099" y="3730327"/>
+            <a:off x="5778281" y="2454512"/>
             <a:ext cx="1828800" cy="0"/>
           </a:xfrm>
           <a:prstGeom prst="straightConnector1">
@@ -12814,7 +12817,7 @@
         </p:nvCxnSpPr>
         <p:spPr>
           <a:xfrm flipH="1">
-            <a:off x="4749100" y="3993407"/>
+            <a:off x="5778282" y="2717592"/>
             <a:ext cx="1828799" cy="0"/>
           </a:xfrm>
           <a:prstGeom prst="straightConnector1">
